--- a/images/Präsentation1.pptx
+++ b/images/Präsentation1.pptx
@@ -7,6 +7,7 @@
   <p:sldIdLst>
     <p:sldId id="256" r:id="rId2"/>
     <p:sldId id="257" r:id="rId3"/>
+    <p:sldId id="258" r:id="rId4"/>
   </p:sldIdLst>
   <p:sldSz cx="12192000" cy="6858000"/>
   <p:notesSz cx="6858000" cy="9144000"/>
@@ -260,7 +261,7 @@
           <a:p>
             <a:fld id="{0615C5FA-E464-41F4-B1F3-4EED40F7C698}" type="datetimeFigureOut">
               <a:rPr lang="de-DE" smtClean="0"/>
-              <a:t>21.05.2025</a:t>
+              <a:t>30.05.2025</a:t>
             </a:fld>
             <a:endParaRPr lang="de-DE"/>
           </a:p>
@@ -458,7 +459,7 @@
           <a:p>
             <a:fld id="{0615C5FA-E464-41F4-B1F3-4EED40F7C698}" type="datetimeFigureOut">
               <a:rPr lang="de-DE" smtClean="0"/>
-              <a:t>21.05.2025</a:t>
+              <a:t>30.05.2025</a:t>
             </a:fld>
             <a:endParaRPr lang="de-DE"/>
           </a:p>
@@ -666,7 +667,7 @@
           <a:p>
             <a:fld id="{0615C5FA-E464-41F4-B1F3-4EED40F7C698}" type="datetimeFigureOut">
               <a:rPr lang="de-DE" smtClean="0"/>
-              <a:t>21.05.2025</a:t>
+              <a:t>30.05.2025</a:t>
             </a:fld>
             <a:endParaRPr lang="de-DE"/>
           </a:p>
@@ -864,7 +865,7 @@
           <a:p>
             <a:fld id="{0615C5FA-E464-41F4-B1F3-4EED40F7C698}" type="datetimeFigureOut">
               <a:rPr lang="de-DE" smtClean="0"/>
-              <a:t>21.05.2025</a:t>
+              <a:t>30.05.2025</a:t>
             </a:fld>
             <a:endParaRPr lang="de-DE"/>
           </a:p>
@@ -1139,7 +1140,7 @@
           <a:p>
             <a:fld id="{0615C5FA-E464-41F4-B1F3-4EED40F7C698}" type="datetimeFigureOut">
               <a:rPr lang="de-DE" smtClean="0"/>
-              <a:t>21.05.2025</a:t>
+              <a:t>30.05.2025</a:t>
             </a:fld>
             <a:endParaRPr lang="de-DE"/>
           </a:p>
@@ -1404,7 +1405,7 @@
           <a:p>
             <a:fld id="{0615C5FA-E464-41F4-B1F3-4EED40F7C698}" type="datetimeFigureOut">
               <a:rPr lang="de-DE" smtClean="0"/>
-              <a:t>21.05.2025</a:t>
+              <a:t>30.05.2025</a:t>
             </a:fld>
             <a:endParaRPr lang="de-DE"/>
           </a:p>
@@ -1816,7 +1817,7 @@
           <a:p>
             <a:fld id="{0615C5FA-E464-41F4-B1F3-4EED40F7C698}" type="datetimeFigureOut">
               <a:rPr lang="de-DE" smtClean="0"/>
-              <a:t>21.05.2025</a:t>
+              <a:t>30.05.2025</a:t>
             </a:fld>
             <a:endParaRPr lang="de-DE"/>
           </a:p>
@@ -1957,7 +1958,7 @@
           <a:p>
             <a:fld id="{0615C5FA-E464-41F4-B1F3-4EED40F7C698}" type="datetimeFigureOut">
               <a:rPr lang="de-DE" smtClean="0"/>
-              <a:t>21.05.2025</a:t>
+              <a:t>30.05.2025</a:t>
             </a:fld>
             <a:endParaRPr lang="de-DE"/>
           </a:p>
@@ -2070,7 +2071,7 @@
           <a:p>
             <a:fld id="{0615C5FA-E464-41F4-B1F3-4EED40F7C698}" type="datetimeFigureOut">
               <a:rPr lang="de-DE" smtClean="0"/>
-              <a:t>21.05.2025</a:t>
+              <a:t>30.05.2025</a:t>
             </a:fld>
             <a:endParaRPr lang="de-DE"/>
           </a:p>
@@ -2381,7 +2382,7 @@
           <a:p>
             <a:fld id="{0615C5FA-E464-41F4-B1F3-4EED40F7C698}" type="datetimeFigureOut">
               <a:rPr lang="de-DE" smtClean="0"/>
-              <a:t>21.05.2025</a:t>
+              <a:t>30.05.2025</a:t>
             </a:fld>
             <a:endParaRPr lang="de-DE"/>
           </a:p>
@@ -2669,7 +2670,7 @@
           <a:p>
             <a:fld id="{0615C5FA-E464-41F4-B1F3-4EED40F7C698}" type="datetimeFigureOut">
               <a:rPr lang="de-DE" smtClean="0"/>
-              <a:t>21.05.2025</a:t>
+              <a:t>30.05.2025</a:t>
             </a:fld>
             <a:endParaRPr lang="de-DE"/>
           </a:p>
@@ -2910,7 +2911,7 @@
           <a:p>
             <a:fld id="{0615C5FA-E464-41F4-B1F3-4EED40F7C698}" type="datetimeFigureOut">
               <a:rPr lang="de-DE" smtClean="0"/>
-              <a:t>21.05.2025</a:t>
+              <a:t>30.05.2025</a:t>
             </a:fld>
             <a:endParaRPr lang="de-DE"/>
           </a:p>
@@ -4218,6 +4219,744 @@
 </p:sld>
 </file>
 
+<file path=ppt/slides/slide3.xml><?xml version="1.0" encoding="utf-8"?>
+<p:sld xmlns:a="http://schemas.openxmlformats.org/drawingml/2006/main" xmlns:r="http://schemas.openxmlformats.org/officeDocument/2006/relationships" xmlns:p="http://schemas.openxmlformats.org/presentationml/2006/main">
+  <p:cSld>
+    <p:spTree>
+      <p:nvGrpSpPr>
+        <p:cNvPr id="1" name=""/>
+        <p:cNvGrpSpPr/>
+        <p:nvPr/>
+      </p:nvGrpSpPr>
+      <p:grpSpPr>
+        <a:xfrm>
+          <a:off x="0" y="0"/>
+          <a:ext cx="0" cy="0"/>
+          <a:chOff x="0" y="0"/>
+          <a:chExt cx="0" cy="0"/>
+        </a:xfrm>
+      </p:grpSpPr>
+      <p:sp>
+        <p:nvSpPr>
+          <p:cNvPr id="2" name="Rechteck 1">
+            <a:extLst>
+              <a:ext uri="{FF2B5EF4-FFF2-40B4-BE49-F238E27FC236}">
+                <a16:creationId xmlns:a16="http://schemas.microsoft.com/office/drawing/2014/main" id="{5C2E2807-5414-4F7F-AA69-337A1A4F4914}"/>
+              </a:ext>
+            </a:extLst>
+          </p:cNvPr>
+          <p:cNvSpPr/>
+          <p:nvPr/>
+        </p:nvSpPr>
+        <p:spPr>
+          <a:xfrm>
+            <a:off x="2253916" y="930442"/>
+            <a:ext cx="7411452" cy="5229726"/>
+          </a:xfrm>
+          <a:prstGeom prst="rect">
+            <a:avLst/>
+          </a:prstGeom>
+          <a:solidFill>
+            <a:schemeClr val="bg1"/>
+          </a:solidFill>
+          <a:ln>
+            <a:solidFill>
+              <a:schemeClr val="bg1"/>
+            </a:solidFill>
+          </a:ln>
+        </p:spPr>
+        <p:style>
+          <a:lnRef idx="2">
+            <a:schemeClr val="accent1">
+              <a:shade val="50000"/>
+            </a:schemeClr>
+          </a:lnRef>
+          <a:fillRef idx="1">
+            <a:schemeClr val="accent1"/>
+          </a:fillRef>
+          <a:effectRef idx="0">
+            <a:schemeClr val="accent1"/>
+          </a:effectRef>
+          <a:fontRef idx="minor">
+            <a:schemeClr val="lt1"/>
+          </a:fontRef>
+        </p:style>
+        <p:txBody>
+          <a:bodyPr rtlCol="0" anchor="ctr"/>
+          <a:lstStyle/>
+          <a:p>
+            <a:pPr algn="ctr"/>
+            <a:endParaRPr lang="de-DE"/>
+          </a:p>
+        </p:txBody>
+      </p:sp>
+      <p:pic>
+        <p:nvPicPr>
+          <p:cNvPr id="19" name="Grafik 18">
+            <a:extLst>
+              <a:ext uri="{FF2B5EF4-FFF2-40B4-BE49-F238E27FC236}">
+                <a16:creationId xmlns:a16="http://schemas.microsoft.com/office/drawing/2014/main" id="{9F10366A-5706-4CF8-A6F8-521BBD8BE47F}"/>
+              </a:ext>
+            </a:extLst>
+          </p:cNvPr>
+          <p:cNvPicPr>
+            <a:picLocks noChangeAspect="1"/>
+          </p:cNvPicPr>
+          <p:nvPr/>
+        </p:nvPicPr>
+        <p:blipFill rotWithShape="1">
+          <a:blip r:embed="rId2">
+            <a:extLst>
+              <a:ext uri="{28A0092B-C50C-407E-A947-70E740481C1C}">
+                <a14:useLocalDpi xmlns:a14="http://schemas.microsoft.com/office/drawing/2010/main" val="0"/>
+              </a:ext>
+            </a:extLst>
+          </a:blip>
+          <a:srcRect l="34563" t="70151" r="40591" b="-92"/>
+          <a:stretch/>
+        </p:blipFill>
+        <p:spPr>
+          <a:xfrm>
+            <a:off x="7171734" y="2085776"/>
+            <a:ext cx="1969897" cy="2053389"/>
+          </a:xfrm>
+          <a:prstGeom prst="rect">
+            <a:avLst/>
+          </a:prstGeom>
+        </p:spPr>
+      </p:pic>
+      <p:pic>
+        <p:nvPicPr>
+          <p:cNvPr id="21" name="Grafik 20">
+            <a:extLst>
+              <a:ext uri="{FF2B5EF4-FFF2-40B4-BE49-F238E27FC236}">
+                <a16:creationId xmlns:a16="http://schemas.microsoft.com/office/drawing/2014/main" id="{1A3848F5-12EA-4D79-98C5-E3986794E9B4}"/>
+              </a:ext>
+            </a:extLst>
+          </p:cNvPr>
+          <p:cNvPicPr>
+            <a:picLocks noChangeAspect="1"/>
+          </p:cNvPicPr>
+          <p:nvPr/>
+        </p:nvPicPr>
+        <p:blipFill rotWithShape="1">
+          <a:blip r:embed="rId2">
+            <a:extLst>
+              <a:ext uri="{28A0092B-C50C-407E-A947-70E740481C1C}">
+                <a14:useLocalDpi xmlns:a14="http://schemas.microsoft.com/office/drawing/2010/main" val="0"/>
+              </a:ext>
+            </a:extLst>
+          </a:blip>
+          <a:srcRect l="59912" t="3322" r="16505" b="69401"/>
+          <a:stretch/>
+        </p:blipFill>
+        <p:spPr>
+          <a:xfrm>
+            <a:off x="5370258" y="2074535"/>
+            <a:ext cx="1869743" cy="1870736"/>
+          </a:xfrm>
+          <a:prstGeom prst="rect">
+            <a:avLst/>
+          </a:prstGeom>
+        </p:spPr>
+      </p:pic>
+      <p:pic>
+        <p:nvPicPr>
+          <p:cNvPr id="20" name="Grafik 19">
+            <a:extLst>
+              <a:ext uri="{FF2B5EF4-FFF2-40B4-BE49-F238E27FC236}">
+                <a16:creationId xmlns:a16="http://schemas.microsoft.com/office/drawing/2014/main" id="{3D8D84A2-6242-4270-BEC8-48979DA859C0}"/>
+              </a:ext>
+            </a:extLst>
+          </p:cNvPr>
+          <p:cNvPicPr>
+            <a:picLocks noChangeAspect="1"/>
+          </p:cNvPicPr>
+          <p:nvPr/>
+        </p:nvPicPr>
+        <p:blipFill rotWithShape="1">
+          <a:blip r:embed="rId2">
+            <a:extLst>
+              <a:ext uri="{28A0092B-C50C-407E-A947-70E740481C1C}">
+                <a14:useLocalDpi xmlns:a14="http://schemas.microsoft.com/office/drawing/2010/main" val="0"/>
+              </a:ext>
+            </a:extLst>
+          </a:blip>
+          <a:srcRect l="-222" t="3322" r="66058" b="69401"/>
+          <a:stretch/>
+        </p:blipFill>
+        <p:spPr>
+          <a:xfrm>
+            <a:off x="2661582" y="2050162"/>
+            <a:ext cx="2708675" cy="1870736"/>
+          </a:xfrm>
+          <a:prstGeom prst="rect">
+            <a:avLst/>
+          </a:prstGeom>
+        </p:spPr>
+      </p:pic>
+      <p:sp>
+        <p:nvSpPr>
+          <p:cNvPr id="5" name="Textfeld 4">
+            <a:extLst>
+              <a:ext uri="{FF2B5EF4-FFF2-40B4-BE49-F238E27FC236}">
+                <a16:creationId xmlns:a16="http://schemas.microsoft.com/office/drawing/2014/main" id="{9B4B7D56-CE70-449D-9A37-069D908BAF15}"/>
+              </a:ext>
+            </a:extLst>
+          </p:cNvPr>
+          <p:cNvSpPr txBox="1"/>
+          <p:nvPr/>
+        </p:nvSpPr>
+        <p:spPr>
+          <a:xfrm>
+            <a:off x="3595247" y="1871881"/>
+            <a:ext cx="1892967" cy="307777"/>
+          </a:xfrm>
+          <a:prstGeom prst="rect">
+            <a:avLst/>
+          </a:prstGeom>
+          <a:noFill/>
+        </p:spPr>
+        <p:txBody>
+          <a:bodyPr wrap="square" rtlCol="0">
+            <a:spAutoFit/>
+          </a:bodyPr>
+          <a:lstStyle/>
+          <a:p>
+            <a:r>
+              <a:rPr lang="de-DE" sz="1400" dirty="0"/>
+              <a:t>AUC</a:t>
+            </a:r>
+            <a:r>
+              <a:rPr lang="de-DE" sz="1400" baseline="-25000" dirty="0"/>
+              <a:t>ROC</a:t>
+            </a:r>
+            <a:r>
+              <a:rPr lang="de-DE" sz="1400" dirty="0"/>
+              <a:t> on PA </a:t>
+            </a:r>
+            <a:r>
+              <a:rPr lang="de-DE" sz="1400" dirty="0" err="1"/>
+              <a:t>data</a:t>
+            </a:r>
+            <a:endParaRPr lang="de-DE" sz="1400" dirty="0"/>
+          </a:p>
+        </p:txBody>
+      </p:sp>
+      <p:sp>
+        <p:nvSpPr>
+          <p:cNvPr id="7" name="Textfeld 6">
+            <a:extLst>
+              <a:ext uri="{FF2B5EF4-FFF2-40B4-BE49-F238E27FC236}">
+                <a16:creationId xmlns:a16="http://schemas.microsoft.com/office/drawing/2014/main" id="{14976AAF-5659-4EC1-838F-93BC9F205526}"/>
+              </a:ext>
+            </a:extLst>
+          </p:cNvPr>
+          <p:cNvSpPr txBox="1"/>
+          <p:nvPr/>
+        </p:nvSpPr>
+        <p:spPr>
+          <a:xfrm>
+            <a:off x="5390457" y="1896397"/>
+            <a:ext cx="1892967" cy="307777"/>
+          </a:xfrm>
+          <a:prstGeom prst="rect">
+            <a:avLst/>
+          </a:prstGeom>
+          <a:noFill/>
+        </p:spPr>
+        <p:txBody>
+          <a:bodyPr wrap="square" rtlCol="0">
+            <a:spAutoFit/>
+          </a:bodyPr>
+          <a:lstStyle/>
+          <a:p>
+            <a:r>
+              <a:rPr lang="de-DE" sz="1400" dirty="0"/>
+              <a:t>AUC</a:t>
+            </a:r>
+            <a:r>
+              <a:rPr lang="de-DE" sz="1400" baseline="-25000" dirty="0"/>
+              <a:t>ROC</a:t>
+            </a:r>
+            <a:r>
+              <a:rPr lang="de-DE" sz="1400" dirty="0"/>
+              <a:t> on PBG </a:t>
+            </a:r>
+            <a:r>
+              <a:rPr lang="de-DE" sz="1400" dirty="0" err="1"/>
+              <a:t>data</a:t>
+            </a:r>
+            <a:endParaRPr lang="de-DE" sz="1400" dirty="0"/>
+          </a:p>
+        </p:txBody>
+      </p:sp>
+      <p:sp>
+        <p:nvSpPr>
+          <p:cNvPr id="8" name="Textfeld 7">
+            <a:extLst>
+              <a:ext uri="{FF2B5EF4-FFF2-40B4-BE49-F238E27FC236}">
+                <a16:creationId xmlns:a16="http://schemas.microsoft.com/office/drawing/2014/main" id="{A192A7D7-BC0E-4531-94DE-BFD31F92B83F}"/>
+              </a:ext>
+            </a:extLst>
+          </p:cNvPr>
+          <p:cNvSpPr txBox="1"/>
+          <p:nvPr/>
+        </p:nvSpPr>
+        <p:spPr>
+          <a:xfrm>
+            <a:off x="7303624" y="1865223"/>
+            <a:ext cx="1892967" cy="307777"/>
+          </a:xfrm>
+          <a:prstGeom prst="rect">
+            <a:avLst/>
+          </a:prstGeom>
+          <a:noFill/>
+        </p:spPr>
+        <p:txBody>
+          <a:bodyPr wrap="square" rtlCol="0">
+            <a:spAutoFit/>
+          </a:bodyPr>
+          <a:lstStyle/>
+          <a:p>
+            <a:r>
+              <a:rPr lang="de-DE" sz="1400" dirty="0"/>
+              <a:t>Index on PAA </a:t>
+            </a:r>
+            <a:r>
+              <a:rPr lang="de-DE" sz="1400" dirty="0" err="1"/>
+              <a:t>data</a:t>
+            </a:r>
+            <a:endParaRPr lang="de-DE" sz="1400" dirty="0"/>
+          </a:p>
+        </p:txBody>
+      </p:sp>
+      <p:sp>
+        <p:nvSpPr>
+          <p:cNvPr id="12" name="Geschweifte Klammer rechts 11">
+            <a:extLst>
+              <a:ext uri="{FF2B5EF4-FFF2-40B4-BE49-F238E27FC236}">
+                <a16:creationId xmlns:a16="http://schemas.microsoft.com/office/drawing/2014/main" id="{41768A2C-E051-4F88-9E41-827B0AE9D56F}"/>
+              </a:ext>
+            </a:extLst>
+          </p:cNvPr>
+          <p:cNvSpPr/>
+          <p:nvPr/>
+        </p:nvSpPr>
+        <p:spPr>
+          <a:xfrm rot="5400000">
+            <a:off x="4243727" y="3000127"/>
+            <a:ext cx="312821" cy="2060228"/>
+          </a:xfrm>
+          <a:prstGeom prst="rightBrace">
+            <a:avLst/>
+          </a:prstGeom>
+        </p:spPr>
+        <p:style>
+          <a:lnRef idx="1">
+            <a:schemeClr val="accent1"/>
+          </a:lnRef>
+          <a:fillRef idx="0">
+            <a:schemeClr val="accent1"/>
+          </a:fillRef>
+          <a:effectRef idx="0">
+            <a:schemeClr val="accent1"/>
+          </a:effectRef>
+          <a:fontRef idx="minor">
+            <a:schemeClr val="tx1"/>
+          </a:fontRef>
+        </p:style>
+        <p:txBody>
+          <a:bodyPr rtlCol="0" anchor="ctr"/>
+          <a:lstStyle/>
+          <a:p>
+            <a:pPr algn="ctr"/>
+            <a:endParaRPr lang="de-DE"/>
+          </a:p>
+        </p:txBody>
+      </p:sp>
+      <p:sp>
+        <p:nvSpPr>
+          <p:cNvPr id="13" name="Textfeld 12">
+            <a:extLst>
+              <a:ext uri="{FF2B5EF4-FFF2-40B4-BE49-F238E27FC236}">
+                <a16:creationId xmlns:a16="http://schemas.microsoft.com/office/drawing/2014/main" id="{5EA27630-5992-4779-BF6A-699EFC3EE5A8}"/>
+              </a:ext>
+            </a:extLst>
+          </p:cNvPr>
+          <p:cNvSpPr txBox="1"/>
+          <p:nvPr/>
+        </p:nvSpPr>
+        <p:spPr>
+          <a:xfrm>
+            <a:off x="3537284" y="4328578"/>
+            <a:ext cx="1892967" cy="307777"/>
+          </a:xfrm>
+          <a:prstGeom prst="rect">
+            <a:avLst/>
+          </a:prstGeom>
+          <a:noFill/>
+        </p:spPr>
+        <p:txBody>
+          <a:bodyPr wrap="square" rtlCol="0">
+            <a:spAutoFit/>
+          </a:bodyPr>
+          <a:lstStyle/>
+          <a:p>
+            <a:r>
+              <a:rPr lang="de-DE" sz="1400" dirty="0"/>
+              <a:t>Absence </a:t>
+            </a:r>
+            <a:r>
+              <a:rPr lang="de-DE" sz="1400" dirty="0" err="1"/>
+              <a:t>data</a:t>
+            </a:r>
+            <a:r>
+              <a:rPr lang="de-DE" sz="1400" dirty="0"/>
+              <a:t> </a:t>
+            </a:r>
+            <a:r>
+              <a:rPr lang="de-DE" sz="1400" dirty="0" err="1"/>
+              <a:t>needed</a:t>
+            </a:r>
+            <a:endParaRPr lang="de-DE" sz="1400" dirty="0"/>
+          </a:p>
+        </p:txBody>
+      </p:sp>
+      <p:sp>
+        <p:nvSpPr>
+          <p:cNvPr id="14" name="Geschweifte Klammer rechts 13">
+            <a:extLst>
+              <a:ext uri="{FF2B5EF4-FFF2-40B4-BE49-F238E27FC236}">
+                <a16:creationId xmlns:a16="http://schemas.microsoft.com/office/drawing/2014/main" id="{0D7CE7A8-3E0C-47E5-A25C-FC67197E0C55}"/>
+              </a:ext>
+            </a:extLst>
+          </p:cNvPr>
+          <p:cNvSpPr/>
+          <p:nvPr/>
+        </p:nvSpPr>
+        <p:spPr>
+          <a:xfrm rot="5400000">
+            <a:off x="7087714" y="2232260"/>
+            <a:ext cx="276100" cy="3591027"/>
+          </a:xfrm>
+          <a:prstGeom prst="rightBrace">
+            <a:avLst/>
+          </a:prstGeom>
+        </p:spPr>
+        <p:style>
+          <a:lnRef idx="1">
+            <a:schemeClr val="accent1"/>
+          </a:lnRef>
+          <a:fillRef idx="0">
+            <a:schemeClr val="accent1"/>
+          </a:fillRef>
+          <a:effectRef idx="0">
+            <a:schemeClr val="accent1"/>
+          </a:effectRef>
+          <a:fontRef idx="minor">
+            <a:schemeClr val="tx1"/>
+          </a:fontRef>
+        </p:style>
+        <p:txBody>
+          <a:bodyPr rtlCol="0" anchor="ctr"/>
+          <a:lstStyle/>
+          <a:p>
+            <a:pPr algn="ctr"/>
+            <a:endParaRPr lang="de-DE"/>
+          </a:p>
+        </p:txBody>
+      </p:sp>
+      <p:sp>
+        <p:nvSpPr>
+          <p:cNvPr id="15" name="Textfeld 14">
+            <a:extLst>
+              <a:ext uri="{FF2B5EF4-FFF2-40B4-BE49-F238E27FC236}">
+                <a16:creationId xmlns:a16="http://schemas.microsoft.com/office/drawing/2014/main" id="{01E98EB3-6E3E-4CAF-B3D9-D17A2225EBE1}"/>
+              </a:ext>
+            </a:extLst>
+          </p:cNvPr>
+          <p:cNvSpPr txBox="1"/>
+          <p:nvPr/>
+        </p:nvSpPr>
+        <p:spPr>
+          <a:xfrm>
+            <a:off x="5687518" y="4304701"/>
+            <a:ext cx="2798159" cy="307777"/>
+          </a:xfrm>
+          <a:prstGeom prst="rect">
+            <a:avLst/>
+          </a:prstGeom>
+          <a:noFill/>
+        </p:spPr>
+        <p:txBody>
+          <a:bodyPr wrap="square" rtlCol="0">
+            <a:spAutoFit/>
+          </a:bodyPr>
+          <a:lstStyle/>
+          <a:p>
+            <a:pPr algn="ctr"/>
+            <a:r>
+              <a:rPr lang="de-DE" sz="1400" dirty="0" err="1"/>
+              <a:t>Calculated</a:t>
+            </a:r>
+            <a:r>
+              <a:rPr lang="de-DE" sz="1400" dirty="0"/>
+              <a:t> on Presence-</a:t>
+            </a:r>
+            <a:r>
+              <a:rPr lang="de-DE" sz="1400" dirty="0" err="1"/>
+              <a:t>Only</a:t>
+            </a:r>
+            <a:r>
+              <a:rPr lang="de-DE" sz="1400" dirty="0"/>
+              <a:t> </a:t>
+            </a:r>
+            <a:r>
+              <a:rPr lang="de-DE" sz="1400" dirty="0" err="1"/>
+              <a:t>data</a:t>
+            </a:r>
+            <a:r>
+              <a:rPr lang="de-DE" sz="1400" dirty="0"/>
+              <a:t> </a:t>
+            </a:r>
+          </a:p>
+        </p:txBody>
+      </p:sp>
+      <p:sp>
+        <p:nvSpPr>
+          <p:cNvPr id="17" name="Textfeld 16">
+            <a:extLst>
+              <a:ext uri="{FF2B5EF4-FFF2-40B4-BE49-F238E27FC236}">
+                <a16:creationId xmlns:a16="http://schemas.microsoft.com/office/drawing/2014/main" id="{F9115776-1047-4D6E-98CE-2CD752600436}"/>
+              </a:ext>
+            </a:extLst>
+          </p:cNvPr>
+          <p:cNvSpPr txBox="1"/>
+          <p:nvPr/>
+        </p:nvSpPr>
+        <p:spPr>
+          <a:xfrm>
+            <a:off x="2938596" y="4885530"/>
+            <a:ext cx="2923081" cy="600164"/>
+          </a:xfrm>
+          <a:prstGeom prst="rect">
+            <a:avLst/>
+          </a:prstGeom>
+          <a:noFill/>
+        </p:spPr>
+        <p:txBody>
+          <a:bodyPr wrap="square" rtlCol="0">
+            <a:spAutoFit/>
+          </a:bodyPr>
+          <a:lstStyle/>
+          <a:p>
+            <a:r>
+              <a:rPr lang="de-DE" sz="1100" b="1" dirty="0"/>
+              <a:t>PA</a:t>
+            </a:r>
+            <a:r>
+              <a:rPr lang="de-DE" sz="1100" dirty="0"/>
+              <a:t> Presence-Absence</a:t>
+            </a:r>
+          </a:p>
+          <a:p>
+            <a:r>
+              <a:rPr lang="de-DE" sz="1100" b="1" dirty="0"/>
+              <a:t>PBG</a:t>
+            </a:r>
+            <a:r>
+              <a:rPr lang="de-DE" sz="1100" dirty="0"/>
+              <a:t> Presence-Background</a:t>
+            </a:r>
+          </a:p>
+          <a:p>
+            <a:r>
+              <a:rPr lang="de-DE" sz="1100" b="1" dirty="0"/>
+              <a:t>PAA</a:t>
+            </a:r>
+            <a:r>
+              <a:rPr lang="de-DE" sz="1100" dirty="0"/>
+              <a:t> Presence-</a:t>
+            </a:r>
+            <a:r>
+              <a:rPr lang="de-DE" sz="1100" dirty="0" err="1"/>
+              <a:t>Artificial</a:t>
+            </a:r>
+            <a:r>
+              <a:rPr lang="de-DE" sz="1100" dirty="0"/>
+              <a:t>-Absence</a:t>
+            </a:r>
+          </a:p>
+        </p:txBody>
+      </p:sp>
+      <p:pic>
+        <p:nvPicPr>
+          <p:cNvPr id="22" name="Grafik 21">
+            <a:extLst>
+              <a:ext uri="{FF2B5EF4-FFF2-40B4-BE49-F238E27FC236}">
+                <a16:creationId xmlns:a16="http://schemas.microsoft.com/office/drawing/2014/main" id="{172F119A-EDB5-4293-BB3C-8021080DE6EF}"/>
+              </a:ext>
+            </a:extLst>
+          </p:cNvPr>
+          <p:cNvPicPr>
+            <a:picLocks noChangeAspect="1"/>
+          </p:cNvPicPr>
+          <p:nvPr/>
+        </p:nvPicPr>
+        <p:blipFill rotWithShape="1">
+          <a:blip r:embed="rId2">
+            <a:extLst>
+              <a:ext uri="{28A0092B-C50C-407E-A947-70E740481C1C}">
+                <a14:useLocalDpi xmlns:a14="http://schemas.microsoft.com/office/drawing/2010/main" val="0"/>
+              </a:ext>
+            </a:extLst>
+          </a:blip>
+          <a:srcRect l="82909" t="3322" r="289" b="69401"/>
+          <a:stretch/>
+        </p:blipFill>
+        <p:spPr>
+          <a:xfrm>
+            <a:off x="9041477" y="2019113"/>
+            <a:ext cx="1332091" cy="1870736"/>
+          </a:xfrm>
+          <a:prstGeom prst="rect">
+            <a:avLst/>
+          </a:prstGeom>
+        </p:spPr>
+      </p:pic>
+      <p:sp>
+        <p:nvSpPr>
+          <p:cNvPr id="23" name="Textfeld 22">
+            <a:extLst>
+              <a:ext uri="{FF2B5EF4-FFF2-40B4-BE49-F238E27FC236}">
+                <a16:creationId xmlns:a16="http://schemas.microsoft.com/office/drawing/2014/main" id="{50C5FDB0-D992-445D-A7FA-7A12700507D5}"/>
+              </a:ext>
+            </a:extLst>
+          </p:cNvPr>
+          <p:cNvSpPr txBox="1"/>
+          <p:nvPr/>
+        </p:nvSpPr>
+        <p:spPr>
+          <a:xfrm>
+            <a:off x="4767782" y="3684797"/>
+            <a:ext cx="602476" cy="246221"/>
+          </a:xfrm>
+          <a:prstGeom prst="rect">
+            <a:avLst/>
+          </a:prstGeom>
+          <a:noFill/>
+        </p:spPr>
+        <p:txBody>
+          <a:bodyPr wrap="square" rtlCol="0">
+            <a:spAutoFit/>
+          </a:bodyPr>
+          <a:lstStyle/>
+          <a:p>
+            <a:r>
+              <a:rPr lang="de-DE" sz="1000" dirty="0"/>
+              <a:t>AUC</a:t>
+            </a:r>
+            <a:r>
+              <a:rPr lang="de-DE" sz="1000" baseline="-25000" dirty="0"/>
+              <a:t>ROC</a:t>
+            </a:r>
+            <a:endParaRPr lang="de-DE" sz="1000" dirty="0"/>
+          </a:p>
+        </p:txBody>
+      </p:sp>
+      <p:sp>
+        <p:nvSpPr>
+          <p:cNvPr id="24" name="Textfeld 23">
+            <a:extLst>
+              <a:ext uri="{FF2B5EF4-FFF2-40B4-BE49-F238E27FC236}">
+                <a16:creationId xmlns:a16="http://schemas.microsoft.com/office/drawing/2014/main" id="{1CF02513-0822-4D16-9108-A712538C57E7}"/>
+              </a:ext>
+            </a:extLst>
+          </p:cNvPr>
+          <p:cNvSpPr txBox="1"/>
+          <p:nvPr/>
+        </p:nvSpPr>
+        <p:spPr>
+          <a:xfrm>
+            <a:off x="6719017" y="3687583"/>
+            <a:ext cx="602476" cy="246221"/>
+          </a:xfrm>
+          <a:prstGeom prst="rect">
+            <a:avLst/>
+          </a:prstGeom>
+          <a:solidFill>
+            <a:schemeClr val="bg1"/>
+          </a:solidFill>
+        </p:spPr>
+        <p:txBody>
+          <a:bodyPr wrap="square" rtlCol="0">
+            <a:spAutoFit/>
+          </a:bodyPr>
+          <a:lstStyle/>
+          <a:p>
+            <a:r>
+              <a:rPr lang="de-DE" sz="1000" dirty="0"/>
+              <a:t>AUC</a:t>
+            </a:r>
+            <a:r>
+              <a:rPr lang="de-DE" sz="1000" baseline="-25000" dirty="0"/>
+              <a:t>ROC</a:t>
+            </a:r>
+            <a:endParaRPr lang="de-DE" sz="1000" dirty="0"/>
+          </a:p>
+        </p:txBody>
+      </p:sp>
+      <p:sp>
+        <p:nvSpPr>
+          <p:cNvPr id="25" name="Textfeld 24">
+            <a:extLst>
+              <a:ext uri="{FF2B5EF4-FFF2-40B4-BE49-F238E27FC236}">
+                <a16:creationId xmlns:a16="http://schemas.microsoft.com/office/drawing/2014/main" id="{0561287A-590F-4852-A369-6934124D8AEE}"/>
+              </a:ext>
+            </a:extLst>
+          </p:cNvPr>
+          <p:cNvSpPr txBox="1"/>
+          <p:nvPr/>
+        </p:nvSpPr>
+        <p:spPr>
+          <a:xfrm>
+            <a:off x="8559354" y="3684960"/>
+            <a:ext cx="602476" cy="246221"/>
+          </a:xfrm>
+          <a:prstGeom prst="rect">
+            <a:avLst/>
+          </a:prstGeom>
+          <a:solidFill>
+            <a:schemeClr val="bg1"/>
+          </a:solidFill>
+        </p:spPr>
+        <p:txBody>
+          <a:bodyPr wrap="square" rtlCol="0">
+            <a:spAutoFit/>
+          </a:bodyPr>
+          <a:lstStyle/>
+          <a:p>
+            <a:r>
+              <a:rPr lang="de-DE" sz="1000" dirty="0"/>
+              <a:t>Index</a:t>
+            </a:r>
+          </a:p>
+        </p:txBody>
+      </p:sp>
+    </p:spTree>
+    <p:extLst>
+      <p:ext uri="{BB962C8B-B14F-4D97-AF65-F5344CB8AC3E}">
+        <p14:creationId xmlns:p14="http://schemas.microsoft.com/office/powerpoint/2010/main" val="785414127"/>
+      </p:ext>
+    </p:extLst>
+  </p:cSld>
+  <p:clrMapOvr>
+    <a:masterClrMapping/>
+  </p:clrMapOvr>
+</p:sld>
+</file>
+
 <file path=ppt/theme/theme1.xml><?xml version="1.0" encoding="utf-8"?>
 <a:theme xmlns:a="http://schemas.openxmlformats.org/drawingml/2006/main" name="Office">
   <a:themeElements>
